--- a/EuroPython_Edinburgh_2018.pptx
+++ b/EuroPython_Edinburgh_2018.pptx
@@ -5695,7 +5695,15 @@
             </a:pPr>
             <a:r>
               <a:rPr lang="en-IN" sz="2400" dirty="0"/>
-              <a:t>Code available at:  https://github.com/greatdevaks/EuroPython</a:t>
+              <a:t>Code </a:t>
+            </a:r>
+            <a:r>
+              <a:rPr lang="en-IN" sz="2400"/>
+              <a:t>and slides available </a:t>
+            </a:r>
+            <a:r>
+              <a:rPr lang="en-IN" sz="2400" dirty="0"/>
+              <a:t>at:  https://github.com/greatdevaks/EuroPython</a:t>
             </a:r>
           </a:p>
         </p:txBody>
